--- a/Dossier Dessous de plat/DOSSIER dessous de plat (Terminale).pptx
+++ b/Dossier Dessous de plat/DOSSIER dessous de plat (Terminale).pptx
@@ -22,6 +22,8 @@
     <p:sldId id="316" r:id="rId16"/>
     <p:sldId id="317" r:id="rId17"/>
     <p:sldId id="318" r:id="rId18"/>
+    <p:sldId id="358" r:id="rId19"/>
+    <p:sldId id="357" r:id="rId20"/>
   </p:sldIdLst>
   <p:sldSz cx="15119350" cy="10799763"/>
   <p:notesSz cx="6858000" cy="9144000"/>
@@ -259,7 +261,7 @@
           <a:p>
             <a:fld id="{F7E8124F-CF76-499F-847F-FD3693E792C0}" type="datetimeFigureOut">
               <a:rPr lang="fr-FR" smtClean="0"/>
-              <a:t>28/12/2024</a:t>
+              <a:t>11/01/2025</a:t>
             </a:fld>
             <a:endParaRPr lang="fr-FR"/>
           </a:p>
@@ -429,7 +431,7 @@
           <a:p>
             <a:fld id="{F7E8124F-CF76-499F-847F-FD3693E792C0}" type="datetimeFigureOut">
               <a:rPr lang="fr-FR" smtClean="0"/>
-              <a:t>28/12/2024</a:t>
+              <a:t>11/01/2025</a:t>
             </a:fld>
             <a:endParaRPr lang="fr-FR"/>
           </a:p>
@@ -609,7 +611,7 @@
           <a:p>
             <a:fld id="{F7E8124F-CF76-499F-847F-FD3693E792C0}" type="datetimeFigureOut">
               <a:rPr lang="fr-FR" smtClean="0"/>
-              <a:t>28/12/2024</a:t>
+              <a:t>11/01/2025</a:t>
             </a:fld>
             <a:endParaRPr lang="fr-FR"/>
           </a:p>
@@ -779,7 +781,7 @@
           <a:p>
             <a:fld id="{F7E8124F-CF76-499F-847F-FD3693E792C0}" type="datetimeFigureOut">
               <a:rPr lang="fr-FR" smtClean="0"/>
-              <a:t>28/12/2024</a:t>
+              <a:t>11/01/2025</a:t>
             </a:fld>
             <a:endParaRPr lang="fr-FR"/>
           </a:p>
@@ -1023,7 +1025,7 @@
           <a:p>
             <a:fld id="{F7E8124F-CF76-499F-847F-FD3693E792C0}" type="datetimeFigureOut">
               <a:rPr lang="fr-FR" smtClean="0"/>
-              <a:t>28/12/2024</a:t>
+              <a:t>11/01/2025</a:t>
             </a:fld>
             <a:endParaRPr lang="fr-FR"/>
           </a:p>
@@ -1255,7 +1257,7 @@
           <a:p>
             <a:fld id="{F7E8124F-CF76-499F-847F-FD3693E792C0}" type="datetimeFigureOut">
               <a:rPr lang="fr-FR" smtClean="0"/>
-              <a:t>28/12/2024</a:t>
+              <a:t>11/01/2025</a:t>
             </a:fld>
             <a:endParaRPr lang="fr-FR"/>
           </a:p>
@@ -1622,7 +1624,7 @@
           <a:p>
             <a:fld id="{F7E8124F-CF76-499F-847F-FD3693E792C0}" type="datetimeFigureOut">
               <a:rPr lang="fr-FR" smtClean="0"/>
-              <a:t>28/12/2024</a:t>
+              <a:t>11/01/2025</a:t>
             </a:fld>
             <a:endParaRPr lang="fr-FR"/>
           </a:p>
@@ -1740,7 +1742,7 @@
           <a:p>
             <a:fld id="{F7E8124F-CF76-499F-847F-FD3693E792C0}" type="datetimeFigureOut">
               <a:rPr lang="fr-FR" smtClean="0"/>
-              <a:t>28/12/2024</a:t>
+              <a:t>11/01/2025</a:t>
             </a:fld>
             <a:endParaRPr lang="fr-FR"/>
           </a:p>
@@ -1835,7 +1837,7 @@
           <a:p>
             <a:fld id="{F7E8124F-CF76-499F-847F-FD3693E792C0}" type="datetimeFigureOut">
               <a:rPr lang="fr-FR" smtClean="0"/>
-              <a:t>28/12/2024</a:t>
+              <a:t>11/01/2025</a:t>
             </a:fld>
             <a:endParaRPr lang="fr-FR"/>
           </a:p>
@@ -2112,7 +2114,7 @@
           <a:p>
             <a:fld id="{F7E8124F-CF76-499F-847F-FD3693E792C0}" type="datetimeFigureOut">
               <a:rPr lang="fr-FR" smtClean="0"/>
-              <a:t>28/12/2024</a:t>
+              <a:t>11/01/2025</a:t>
             </a:fld>
             <a:endParaRPr lang="fr-FR"/>
           </a:p>
@@ -2369,7 +2371,7 @@
           <a:p>
             <a:fld id="{F7E8124F-CF76-499F-847F-FD3693E792C0}" type="datetimeFigureOut">
               <a:rPr lang="fr-FR" smtClean="0"/>
-              <a:t>28/12/2024</a:t>
+              <a:t>11/01/2025</a:t>
             </a:fld>
             <a:endParaRPr lang="fr-FR"/>
           </a:p>
@@ -2582,7 +2584,7 @@
           <a:p>
             <a:fld id="{F7E8124F-CF76-499F-847F-FD3693E792C0}" type="datetimeFigureOut">
               <a:rPr lang="fr-FR" smtClean="0"/>
-              <a:t>28/12/2024</a:t>
+              <a:t>11/01/2025</a:t>
             </a:fld>
             <a:endParaRPr lang="fr-FR"/>
           </a:p>
@@ -3107,7 +3109,7 @@
                 <a:ea typeface="JetBrains Mono" panose="02000009000000000000" pitchFamily="49" charset="0"/>
                 <a:cs typeface="Arial" panose="020B0604020202020204" pitchFamily="34" charset="0"/>
               </a:rPr>
-              <a:t>Le logiciel SketchUp (logiciel DAO)</a:t>
+              <a:t>La feuille de débit</a:t>
             </a:r>
           </a:p>
           <a:p>
@@ -3124,7 +3126,7 @@
                 <a:ea typeface="JetBrains Mono" panose="02000009000000000000" pitchFamily="49" charset="0"/>
                 <a:cs typeface="Arial" panose="020B0604020202020204" pitchFamily="34" charset="0"/>
               </a:rPr>
-              <a:t>Les signes d’établissement</a:t>
+              <a:t>Logiciel SketchUp</a:t>
             </a:r>
           </a:p>
           <a:p>
@@ -3141,7 +3143,7 @@
                 <a:ea typeface="JetBrains Mono" panose="02000009000000000000" pitchFamily="49" charset="0"/>
                 <a:cs typeface="Arial" panose="020B0604020202020204" pitchFamily="34" charset="0"/>
               </a:rPr>
-              <a:t>L’épure</a:t>
+              <a:t>Calcul du cubage</a:t>
             </a:r>
           </a:p>
           <a:p>
@@ -3158,59 +3160,19 @@
                 <a:ea typeface="JetBrains Mono" panose="02000009000000000000" pitchFamily="49" charset="0"/>
                 <a:cs typeface="Arial" panose="020B0604020202020204" pitchFamily="34" charset="0"/>
               </a:rPr>
-              <a:t>Réalisation du dessous de plat (en atelier)</a:t>
-            </a:r>
-          </a:p>
-          <a:p>
-            <a:pPr marL="357750" indent="-285750">
-              <a:buFont typeface="Arial" panose="020B0604020202020204" pitchFamily="34" charset="0"/>
-              <a:buChar char="•"/>
-            </a:pPr>
-            <a:r>
-              <a:rPr lang="fr-FR" sz="1600" dirty="0">
-                <a:solidFill>
-                  <a:schemeClr val="tx1"/>
-                </a:solidFill>
-                <a:latin typeface="Comic Sans MS" panose="030F0702030302020204" pitchFamily="66" charset="0"/>
-                <a:ea typeface="JetBrains Mono" panose="02000009000000000000" pitchFamily="49" charset="0"/>
-                <a:cs typeface="Arial" panose="020B0604020202020204" pitchFamily="34" charset="0"/>
-              </a:rPr>
-              <a:t>La feuille de débit</a:t>
-            </a:r>
-          </a:p>
-          <a:p>
-            <a:pPr marL="357750" indent="-285750">
-              <a:buFont typeface="Arial" panose="020B0604020202020204" pitchFamily="34" charset="0"/>
-              <a:buChar char="•"/>
-            </a:pPr>
-            <a:r>
-              <a:rPr lang="fr-FR" sz="1600" dirty="0">
-                <a:solidFill>
-                  <a:schemeClr val="tx1"/>
-                </a:solidFill>
-                <a:latin typeface="Comic Sans MS" panose="030F0702030302020204" pitchFamily="66" charset="0"/>
-                <a:ea typeface="JetBrains Mono" panose="02000009000000000000" pitchFamily="49" charset="0"/>
-                <a:cs typeface="Arial" panose="020B0604020202020204" pitchFamily="34" charset="0"/>
-              </a:rPr>
               <a:t>Le planning des phases</a:t>
             </a:r>
           </a:p>
           <a:p>
-            <a:pPr marL="357750" indent="-285750">
-              <a:buFont typeface="Arial" panose="020B0604020202020204" pitchFamily="34" charset="0"/>
-              <a:buChar char="•"/>
-            </a:pPr>
-            <a:r>
-              <a:rPr lang="fr-FR" sz="1600" dirty="0">
-                <a:solidFill>
-                  <a:schemeClr val="tx1"/>
-                </a:solidFill>
-                <a:latin typeface="Comic Sans MS" panose="030F0702030302020204" pitchFamily="66" charset="0"/>
-                <a:ea typeface="JetBrains Mono" panose="02000009000000000000" pitchFamily="49" charset="0"/>
-                <a:cs typeface="Arial" panose="020B0604020202020204" pitchFamily="34" charset="0"/>
-              </a:rPr>
-              <a:t>Calcul du cubage</a:t>
-            </a:r>
+            <a:pPr marL="72000"/>
+            <a:endParaRPr lang="fr-FR" sz="1600" dirty="0">
+              <a:solidFill>
+                <a:schemeClr val="tx1"/>
+              </a:solidFill>
+              <a:latin typeface="Comic Sans MS" panose="030F0702030302020204" pitchFamily="66" charset="0"/>
+              <a:ea typeface="JetBrains Mono" panose="02000009000000000000" pitchFamily="49" charset="0"/>
+              <a:cs typeface="Arial" panose="020B0604020202020204" pitchFamily="34" charset="0"/>
+            </a:endParaRPr>
           </a:p>
           <a:p>
             <a:pPr marL="357750" indent="-285750">
@@ -14257,6 +14219,537 @@
     <p:extLst>
       <p:ext uri="{BB962C8B-B14F-4D97-AF65-F5344CB8AC3E}">
         <p14:creationId xmlns:p14="http://schemas.microsoft.com/office/powerpoint/2010/main" val="1919927617"/>
+      </p:ext>
+    </p:extLst>
+  </p:cSld>
+  <p:clrMapOvr>
+    <a:masterClrMapping/>
+  </p:clrMapOvr>
+</p:sld>
+</file>
+
+<file path=ppt/slides/slide18.xml><?xml version="1.0" encoding="utf-8"?>
+<p:sld xmlns:a="http://schemas.openxmlformats.org/drawingml/2006/main" xmlns:r="http://schemas.openxmlformats.org/officeDocument/2006/relationships" xmlns:p="http://schemas.openxmlformats.org/presentationml/2006/main">
+  <p:cSld>
+    <p:spTree>
+      <p:nvGrpSpPr>
+        <p:cNvPr id="1" name=""/>
+        <p:cNvGrpSpPr/>
+        <p:nvPr/>
+      </p:nvGrpSpPr>
+      <p:grpSpPr>
+        <a:xfrm>
+          <a:off x="0" y="0"/>
+          <a:ext cx="0" cy="0"/>
+          <a:chOff x="0" y="0"/>
+          <a:chExt cx="0" cy="0"/>
+        </a:xfrm>
+      </p:grpSpPr>
+      <p:sp>
+        <p:nvSpPr>
+          <p:cNvPr id="17" name="Rectangle 16"/>
+          <p:cNvSpPr/>
+          <p:nvPr/>
+        </p:nvSpPr>
+        <p:spPr>
+          <a:xfrm>
+            <a:off x="171451" y="179881"/>
+            <a:ext cx="14782800" cy="10440000"/>
+          </a:xfrm>
+          <a:prstGeom prst="rect">
+            <a:avLst/>
+          </a:prstGeom>
+          <a:ln w="57150">
+            <a:solidFill>
+              <a:schemeClr val="bg1"/>
+            </a:solidFill>
+          </a:ln>
+        </p:spPr>
+        <p:style>
+          <a:lnRef idx="2">
+            <a:schemeClr val="dk1"/>
+          </a:lnRef>
+          <a:fillRef idx="1">
+            <a:schemeClr val="lt1"/>
+          </a:fillRef>
+          <a:effectRef idx="0">
+            <a:schemeClr val="dk1"/>
+          </a:effectRef>
+          <a:fontRef idx="minor">
+            <a:schemeClr val="dk1"/>
+          </a:fontRef>
+        </p:style>
+        <p:txBody>
+          <a:bodyPr rtlCol="0" anchor="ctr"/>
+          <a:lstStyle/>
+          <a:p>
+            <a:pPr marL="72000" algn="ctr">
+              <a:lnSpc>
+                <a:spcPct val="120000"/>
+              </a:lnSpc>
+            </a:pPr>
+            <a:r>
+              <a:rPr lang="fr-FR" sz="4000" b="1">
+                <a:solidFill>
+                  <a:schemeClr val="tx1"/>
+                </a:solidFill>
+                <a:latin typeface="Comic Sans MS" panose="030F0702030302020204" pitchFamily="66" charset="0"/>
+                <a:ea typeface="JetBrains Mono" panose="02000009000000000000" pitchFamily="49" charset="0"/>
+                <a:cs typeface="Arial" panose="020B0604020202020204" pitchFamily="34" charset="0"/>
+              </a:rPr>
+              <a:t>Dossier technique</a:t>
+            </a:r>
+            <a:endParaRPr lang="fr-FR" sz="4000" dirty="0">
+              <a:solidFill>
+                <a:schemeClr val="tx1"/>
+              </a:solidFill>
+              <a:latin typeface="Comic Sans MS" panose="030F0702030302020204" pitchFamily="66" charset="0"/>
+              <a:ea typeface="JetBrains Mono" panose="02000009000000000000" pitchFamily="49" charset="0"/>
+              <a:cs typeface="Arial" panose="020B0604020202020204" pitchFamily="34" charset="0"/>
+            </a:endParaRPr>
+          </a:p>
+        </p:txBody>
+      </p:sp>
+    </p:spTree>
+    <p:extLst>
+      <p:ext uri="{BB962C8B-B14F-4D97-AF65-F5344CB8AC3E}">
+        <p14:creationId xmlns:p14="http://schemas.microsoft.com/office/powerpoint/2010/main" val="1059356169"/>
+      </p:ext>
+    </p:extLst>
+  </p:cSld>
+  <p:clrMapOvr>
+    <a:masterClrMapping/>
+  </p:clrMapOvr>
+</p:sld>
+</file>
+
+<file path=ppt/slides/slide19.xml><?xml version="1.0" encoding="utf-8"?>
+<p:sld xmlns:a="http://schemas.openxmlformats.org/drawingml/2006/main" xmlns:r="http://schemas.openxmlformats.org/officeDocument/2006/relationships" xmlns:p="http://schemas.openxmlformats.org/presentationml/2006/main">
+  <p:cSld>
+    <p:spTree>
+      <p:nvGrpSpPr>
+        <p:cNvPr id="1" name=""/>
+        <p:cNvGrpSpPr/>
+        <p:nvPr/>
+      </p:nvGrpSpPr>
+      <p:grpSpPr>
+        <a:xfrm>
+          <a:off x="0" y="0"/>
+          <a:ext cx="0" cy="0"/>
+          <a:chOff x="0" y="0"/>
+          <a:chExt cx="0" cy="0"/>
+        </a:xfrm>
+      </p:grpSpPr>
+      <p:sp>
+        <p:nvSpPr>
+          <p:cNvPr id="17" name="Rectangle 16"/>
+          <p:cNvSpPr/>
+          <p:nvPr/>
+        </p:nvSpPr>
+        <p:spPr>
+          <a:xfrm>
+            <a:off x="4039557" y="179881"/>
+            <a:ext cx="7040235" cy="10440000"/>
+          </a:xfrm>
+          <a:prstGeom prst="rect">
+            <a:avLst/>
+          </a:prstGeom>
+          <a:ln w="57150"/>
+        </p:spPr>
+        <p:style>
+          <a:lnRef idx="2">
+            <a:schemeClr val="dk1"/>
+          </a:lnRef>
+          <a:fillRef idx="1">
+            <a:schemeClr val="lt1"/>
+          </a:fillRef>
+          <a:effectRef idx="0">
+            <a:schemeClr val="dk1"/>
+          </a:effectRef>
+          <a:fontRef idx="minor">
+            <a:schemeClr val="dk1"/>
+          </a:fontRef>
+        </p:style>
+        <p:txBody>
+          <a:bodyPr rtlCol="0" anchor="ctr"/>
+          <a:lstStyle/>
+          <a:p>
+            <a:pPr marL="72000"/>
+            <a:r>
+              <a:rPr lang="fr-FR" b="1" dirty="0">
+                <a:cs typeface="Arial" panose="020B0604020202020204" pitchFamily="34" charset="0"/>
+              </a:rPr>
+              <a:t>Contexte professionnel :</a:t>
+            </a:r>
+            <a:endParaRPr lang="fr-FR" dirty="0">
+              <a:cs typeface="Arial" panose="020B0604020202020204" pitchFamily="34" charset="0"/>
+            </a:endParaRPr>
+          </a:p>
+          <a:p>
+            <a:pPr marL="72000"/>
+            <a:r>
+              <a:rPr lang="fr-FR" sz="1600" dirty="0">
+                <a:cs typeface="Arial" panose="020B0604020202020204" pitchFamily="34" charset="0"/>
+              </a:rPr>
+              <a:t>Un atelier de menuiserie spécialisé dans la fabrication de mobilier souhaite réaliser un dessous de plat avec des outils à main pour une fête organisée par la mairie, qui met en valeur le travail artisanal. </a:t>
+            </a:r>
+          </a:p>
+          <a:p>
+            <a:pPr marL="72000"/>
+            <a:endParaRPr lang="fr-FR" sz="1600" dirty="0">
+              <a:cs typeface="Arial" panose="020B0604020202020204" pitchFamily="34" charset="0"/>
+            </a:endParaRPr>
+          </a:p>
+          <a:p>
+            <a:pPr marL="72000"/>
+            <a:r>
+              <a:rPr lang="fr-FR" sz="1600" dirty="0">
+                <a:cs typeface="Arial" panose="020B0604020202020204" pitchFamily="34" charset="0"/>
+              </a:rPr>
+              <a:t>Cet ouvrage doit répondre à certaines exigences : être esthétique, fonctionnel, et illustrer des techniques traditionnelles de menuiserie.</a:t>
+            </a:r>
+          </a:p>
+          <a:p>
+            <a:pPr marL="72000"/>
+            <a:endParaRPr lang="fr-FR" sz="1600" dirty="0">
+              <a:cs typeface="Arial" panose="020B0604020202020204" pitchFamily="34" charset="0"/>
+            </a:endParaRPr>
+          </a:p>
+          <a:p>
+            <a:pPr marL="72000"/>
+            <a:r>
+              <a:rPr lang="fr-FR" b="1" dirty="0">
+                <a:cs typeface="Arial" panose="020B0604020202020204" pitchFamily="34" charset="0"/>
+              </a:rPr>
+              <a:t>Mise en situation :</a:t>
+            </a:r>
+          </a:p>
+          <a:p>
+            <a:pPr marL="72000"/>
+            <a:r>
+              <a:rPr lang="fr-FR" sz="1600" dirty="0">
+                <a:cs typeface="Arial" panose="020B0604020202020204" pitchFamily="34" charset="0"/>
+              </a:rPr>
+              <a:t>Votre mission consiste à créer un dessous de plat fait main, en bois local, en combinant à la fois des techniques traditionnelles de menuiserie et des méthodes modernes de finition. </a:t>
+            </a:r>
+          </a:p>
+          <a:p>
+            <a:pPr marL="72000"/>
+            <a:r>
+              <a:rPr lang="fr-FR" sz="1600" dirty="0">
+                <a:cs typeface="Arial" panose="020B0604020202020204" pitchFamily="34" charset="0"/>
+              </a:rPr>
+              <a:t>Vous êtes chargés de réaliser les plans, afin de lancer la production en atelier.</a:t>
+            </a:r>
+          </a:p>
+          <a:p>
+            <a:pPr marL="72000"/>
+            <a:endParaRPr lang="fr-FR" sz="1600" dirty="0">
+              <a:cs typeface="Arial" panose="020B0604020202020204" pitchFamily="34" charset="0"/>
+            </a:endParaRPr>
+          </a:p>
+          <a:p>
+            <a:pPr marL="72000"/>
+            <a:r>
+              <a:rPr lang="fr-FR" b="1" dirty="0">
+                <a:cs typeface="Arial" panose="020B0604020202020204" pitchFamily="34" charset="0"/>
+              </a:rPr>
+              <a:t>Objectif :</a:t>
+            </a:r>
+          </a:p>
+          <a:p>
+            <a:pPr marL="72000"/>
+            <a:r>
+              <a:rPr lang="fr-FR" sz="1600" dirty="0">
+                <a:cs typeface="Arial" panose="020B0604020202020204" pitchFamily="34" charset="0"/>
+              </a:rPr>
+              <a:t>Réaliser le dessous de plat avec le logiciel « SketchUp » aux dimensions indiquées</a:t>
+            </a:r>
+          </a:p>
+        </p:txBody>
+      </p:sp>
+      <p:sp>
+        <p:nvSpPr>
+          <p:cNvPr id="18" name="Rectangle 17"/>
+          <p:cNvSpPr/>
+          <p:nvPr/>
+        </p:nvSpPr>
+        <p:spPr>
+          <a:xfrm>
+            <a:off x="142517" y="1390649"/>
+            <a:ext cx="3763202" cy="9229231"/>
+          </a:xfrm>
+          <a:prstGeom prst="rect">
+            <a:avLst/>
+          </a:prstGeom>
+          <a:ln w="57150"/>
+        </p:spPr>
+        <p:style>
+          <a:lnRef idx="2">
+            <a:schemeClr val="dk1"/>
+          </a:lnRef>
+          <a:fillRef idx="1">
+            <a:schemeClr val="lt1"/>
+          </a:fillRef>
+          <a:effectRef idx="0">
+            <a:schemeClr val="dk1"/>
+          </a:effectRef>
+          <a:fontRef idx="minor">
+            <a:schemeClr val="dk1"/>
+          </a:fontRef>
+        </p:style>
+        <p:txBody>
+          <a:bodyPr rtlCol="0" anchor="ctr"/>
+          <a:lstStyle/>
+          <a:p>
+            <a:pPr marL="72000"/>
+            <a:r>
+              <a:rPr lang="fr-FR" b="1" dirty="0">
+                <a:cs typeface="Arial" panose="020B0604020202020204" pitchFamily="34" charset="0"/>
+              </a:rPr>
+              <a:t>On demande : </a:t>
+            </a:r>
+          </a:p>
+          <a:p>
+            <a:pPr marL="72000"/>
+            <a:r>
+              <a:rPr lang="fr-FR" sz="1600" dirty="0">
+                <a:cs typeface="Arial" panose="020B0604020202020204" pitchFamily="34" charset="0"/>
+              </a:rPr>
+              <a:t>De représenter chaque éléments de l’objet de manière distincte</a:t>
+            </a:r>
+          </a:p>
+          <a:p>
+            <a:pPr marL="72000"/>
+            <a:endParaRPr lang="fr-FR" sz="1600" b="1" dirty="0">
+              <a:cs typeface="Arial" panose="020B0604020202020204" pitchFamily="34" charset="0"/>
+            </a:endParaRPr>
+          </a:p>
+          <a:p>
+            <a:pPr marL="72000"/>
+            <a:r>
+              <a:rPr lang="fr-FR" b="1" dirty="0">
+                <a:cs typeface="Arial" panose="020B0604020202020204" pitchFamily="34" charset="0"/>
+              </a:rPr>
+              <a:t>On donne :</a:t>
+            </a:r>
+          </a:p>
+          <a:p>
+            <a:pPr marL="72000"/>
+            <a:r>
+              <a:rPr lang="fr-FR" sz="1600" dirty="0">
+                <a:cs typeface="Arial" panose="020B0604020202020204" pitchFamily="34" charset="0"/>
+              </a:rPr>
+              <a:t>Les plans en deux dimensions de l’ouvrage</a:t>
+            </a:r>
+          </a:p>
+          <a:p>
+            <a:pPr marL="72000"/>
+            <a:endParaRPr lang="fr-FR" sz="1600" dirty="0">
+              <a:cs typeface="Arial" panose="020B0604020202020204" pitchFamily="34" charset="0"/>
+            </a:endParaRPr>
+          </a:p>
+          <a:p>
+            <a:pPr marL="72000"/>
+            <a:r>
+              <a:rPr lang="fr-FR" sz="1600" dirty="0">
+                <a:cs typeface="Arial" panose="020B0604020202020204" pitchFamily="34" charset="0"/>
+              </a:rPr>
+              <a:t>La représentation de l’ouvrage en perspective</a:t>
+            </a:r>
+          </a:p>
+        </p:txBody>
+      </p:sp>
+      <p:sp>
+        <p:nvSpPr>
+          <p:cNvPr id="19" name="Rectangle 18"/>
+          <p:cNvSpPr/>
+          <p:nvPr/>
+        </p:nvSpPr>
+        <p:spPr>
+          <a:xfrm>
+            <a:off x="11213630" y="1390649"/>
+            <a:ext cx="3726044" cy="9229231"/>
+          </a:xfrm>
+          <a:prstGeom prst="rect">
+            <a:avLst/>
+          </a:prstGeom>
+          <a:ln w="57150"/>
+        </p:spPr>
+        <p:style>
+          <a:lnRef idx="2">
+            <a:schemeClr val="dk1"/>
+          </a:lnRef>
+          <a:fillRef idx="1">
+            <a:schemeClr val="lt1"/>
+          </a:fillRef>
+          <a:effectRef idx="0">
+            <a:schemeClr val="dk1"/>
+          </a:effectRef>
+          <a:fontRef idx="minor">
+            <a:schemeClr val="dk1"/>
+          </a:fontRef>
+        </p:style>
+        <p:txBody>
+          <a:bodyPr rtlCol="0" anchor="t"/>
+          <a:lstStyle/>
+          <a:p>
+            <a:pPr algn="ctr"/>
+            <a:endParaRPr lang="fr-FR" sz="1600" dirty="0">
+              <a:latin typeface="+mj-lt"/>
+              <a:cs typeface="Arial" panose="020B0604020202020204" pitchFamily="34" charset="0"/>
+            </a:endParaRPr>
+          </a:p>
+        </p:txBody>
+      </p:sp>
+      <p:sp>
+        <p:nvSpPr>
+          <p:cNvPr id="24" name="Rectangle 23"/>
+          <p:cNvSpPr/>
+          <p:nvPr/>
+        </p:nvSpPr>
+        <p:spPr>
+          <a:xfrm>
+            <a:off x="11213630" y="179881"/>
+            <a:ext cx="3726045" cy="1067028"/>
+          </a:xfrm>
+          <a:prstGeom prst="rect">
+            <a:avLst/>
+          </a:prstGeom>
+          <a:ln w="57150"/>
+        </p:spPr>
+        <p:style>
+          <a:lnRef idx="2">
+            <a:schemeClr val="dk1"/>
+          </a:lnRef>
+          <a:fillRef idx="1">
+            <a:schemeClr val="lt1"/>
+          </a:fillRef>
+          <a:effectRef idx="0">
+            <a:schemeClr val="dk1"/>
+          </a:effectRef>
+          <a:fontRef idx="minor">
+            <a:schemeClr val="dk1"/>
+          </a:fontRef>
+        </p:style>
+        <p:txBody>
+          <a:bodyPr rtlCol="0" anchor="ctr"/>
+          <a:lstStyle/>
+          <a:p>
+            <a:pPr algn="ctr"/>
+            <a:r>
+              <a:rPr lang="fr-FR" b="1" spc="300" dirty="0">
+                <a:latin typeface="Comic Sans MS" panose="030F0702030302020204" pitchFamily="66" charset="0"/>
+                <a:ea typeface="JetBrains Mono" panose="02000009000000000000" pitchFamily="49" charset="0"/>
+                <a:cs typeface="JetBrains Mono" panose="02000009000000000000" pitchFamily="49" charset="0"/>
+              </a:rPr>
+              <a:t>M. Du Chevreuil</a:t>
+            </a:r>
+          </a:p>
+          <a:p>
+            <a:pPr algn="ctr"/>
+            <a:r>
+              <a:rPr lang="fr-FR" sz="1600" spc="300" dirty="0">
+                <a:latin typeface="Comic Sans MS" panose="030F0702030302020204" pitchFamily="66" charset="0"/>
+                <a:ea typeface="JetBrains Mono" panose="02000009000000000000" pitchFamily="49" charset="0"/>
+                <a:cs typeface="JetBrains Mono" panose="02000009000000000000" pitchFamily="49" charset="0"/>
+              </a:rPr>
+              <a:t>Professeur en génie </a:t>
+            </a:r>
+          </a:p>
+          <a:p>
+            <a:pPr algn="ctr"/>
+            <a:r>
+              <a:rPr lang="fr-FR" sz="1600" spc="300" dirty="0">
+                <a:latin typeface="Comic Sans MS" panose="030F0702030302020204" pitchFamily="66" charset="0"/>
+                <a:ea typeface="JetBrains Mono" panose="02000009000000000000" pitchFamily="49" charset="0"/>
+                <a:cs typeface="JetBrains Mono" panose="02000009000000000000" pitchFamily="49" charset="0"/>
+              </a:rPr>
+              <a:t>industriel bois</a:t>
+            </a:r>
+          </a:p>
+        </p:txBody>
+      </p:sp>
+      <p:sp>
+        <p:nvSpPr>
+          <p:cNvPr id="25" name="Rectangle 24"/>
+          <p:cNvSpPr/>
+          <p:nvPr/>
+        </p:nvSpPr>
+        <p:spPr>
+          <a:xfrm>
+            <a:off x="142517" y="179881"/>
+            <a:ext cx="3763201" cy="1067028"/>
+          </a:xfrm>
+          <a:prstGeom prst="rect">
+            <a:avLst/>
+          </a:prstGeom>
+          <a:ln w="57150"/>
+        </p:spPr>
+        <p:style>
+          <a:lnRef idx="2">
+            <a:schemeClr val="dk1"/>
+          </a:lnRef>
+          <a:fillRef idx="1">
+            <a:schemeClr val="lt1"/>
+          </a:fillRef>
+          <a:effectRef idx="0">
+            <a:schemeClr val="dk1"/>
+          </a:effectRef>
+          <a:fontRef idx="minor">
+            <a:schemeClr val="dk1"/>
+          </a:fontRef>
+        </p:style>
+        <p:txBody>
+          <a:bodyPr rtlCol="0" anchor="ctr"/>
+          <a:lstStyle/>
+          <a:p>
+            <a:pPr algn="ctr"/>
+            <a:r>
+              <a:rPr lang="fr-FR" b="1" dirty="0">
+                <a:latin typeface="Comic Sans MS" panose="030F0702030302020204" pitchFamily="66" charset="0"/>
+                <a:ea typeface="JetBrains Mono" panose="02000009000000000000" pitchFamily="49" charset="0"/>
+                <a:cs typeface="JetBrains Mono" panose="02000009000000000000" pitchFamily="49" charset="0"/>
+              </a:rPr>
+              <a:t>Sujet : Réalisation d’un dossier technique pour l’ouvrage</a:t>
+            </a:r>
+          </a:p>
+        </p:txBody>
+      </p:sp>
+      <p:pic>
+        <p:nvPicPr>
+          <p:cNvPr id="7" name="Picture 6"/>
+          <p:cNvPicPr>
+            <a:picLocks noChangeAspect="1"/>
+          </p:cNvPicPr>
+          <p:nvPr/>
+        </p:nvPicPr>
+        <p:blipFill>
+          <a:blip r:embed="rId2"/>
+          <a:stretch>
+            <a:fillRect/>
+          </a:stretch>
+        </p:blipFill>
+        <p:spPr>
+          <a:xfrm>
+            <a:off x="11347468" y="4033587"/>
+            <a:ext cx="3458367" cy="2732587"/>
+          </a:xfrm>
+          <a:prstGeom prst="rect">
+            <a:avLst/>
+          </a:prstGeom>
+          <a:ln>
+            <a:noFill/>
+          </a:ln>
+          <a:effectLst>
+            <a:softEdge rad="112500"/>
+          </a:effectLst>
+        </p:spPr>
+      </p:pic>
+    </p:spTree>
+    <p:extLst>
+      <p:ext uri="{BB962C8B-B14F-4D97-AF65-F5344CB8AC3E}">
+        <p14:creationId xmlns:p14="http://schemas.microsoft.com/office/powerpoint/2010/main" val="434047329"/>
       </p:ext>
     </p:extLst>
   </p:cSld>

--- a/Dossier Dessous de plat/DOSSIER dessous de plat (Terminale).pptx
+++ b/Dossier Dessous de plat/DOSSIER dessous de plat (Terminale).pptx
@@ -261,7 +261,7 @@
           <a:p>
             <a:fld id="{F7E8124F-CF76-499F-847F-FD3693E792C0}" type="datetimeFigureOut">
               <a:rPr lang="fr-FR" smtClean="0"/>
-              <a:t>11/01/2025</a:t>
+              <a:t>07/02/2025</a:t>
             </a:fld>
             <a:endParaRPr lang="fr-FR"/>
           </a:p>
@@ -431,7 +431,7 @@
           <a:p>
             <a:fld id="{F7E8124F-CF76-499F-847F-FD3693E792C0}" type="datetimeFigureOut">
               <a:rPr lang="fr-FR" smtClean="0"/>
-              <a:t>11/01/2025</a:t>
+              <a:t>07/02/2025</a:t>
             </a:fld>
             <a:endParaRPr lang="fr-FR"/>
           </a:p>
@@ -611,7 +611,7 @@
           <a:p>
             <a:fld id="{F7E8124F-CF76-499F-847F-FD3693E792C0}" type="datetimeFigureOut">
               <a:rPr lang="fr-FR" smtClean="0"/>
-              <a:t>11/01/2025</a:t>
+              <a:t>07/02/2025</a:t>
             </a:fld>
             <a:endParaRPr lang="fr-FR"/>
           </a:p>
@@ -781,7 +781,7 @@
           <a:p>
             <a:fld id="{F7E8124F-CF76-499F-847F-FD3693E792C0}" type="datetimeFigureOut">
               <a:rPr lang="fr-FR" smtClean="0"/>
-              <a:t>11/01/2025</a:t>
+              <a:t>07/02/2025</a:t>
             </a:fld>
             <a:endParaRPr lang="fr-FR"/>
           </a:p>
@@ -1025,7 +1025,7 @@
           <a:p>
             <a:fld id="{F7E8124F-CF76-499F-847F-FD3693E792C0}" type="datetimeFigureOut">
               <a:rPr lang="fr-FR" smtClean="0"/>
-              <a:t>11/01/2025</a:t>
+              <a:t>07/02/2025</a:t>
             </a:fld>
             <a:endParaRPr lang="fr-FR"/>
           </a:p>
@@ -1257,7 +1257,7 @@
           <a:p>
             <a:fld id="{F7E8124F-CF76-499F-847F-FD3693E792C0}" type="datetimeFigureOut">
               <a:rPr lang="fr-FR" smtClean="0"/>
-              <a:t>11/01/2025</a:t>
+              <a:t>07/02/2025</a:t>
             </a:fld>
             <a:endParaRPr lang="fr-FR"/>
           </a:p>
@@ -1624,7 +1624,7 @@
           <a:p>
             <a:fld id="{F7E8124F-CF76-499F-847F-FD3693E792C0}" type="datetimeFigureOut">
               <a:rPr lang="fr-FR" smtClean="0"/>
-              <a:t>11/01/2025</a:t>
+              <a:t>07/02/2025</a:t>
             </a:fld>
             <a:endParaRPr lang="fr-FR"/>
           </a:p>
@@ -1742,7 +1742,7 @@
           <a:p>
             <a:fld id="{F7E8124F-CF76-499F-847F-FD3693E792C0}" type="datetimeFigureOut">
               <a:rPr lang="fr-FR" smtClean="0"/>
-              <a:t>11/01/2025</a:t>
+              <a:t>07/02/2025</a:t>
             </a:fld>
             <a:endParaRPr lang="fr-FR"/>
           </a:p>
@@ -1837,7 +1837,7 @@
           <a:p>
             <a:fld id="{F7E8124F-CF76-499F-847F-FD3693E792C0}" type="datetimeFigureOut">
               <a:rPr lang="fr-FR" smtClean="0"/>
-              <a:t>11/01/2025</a:t>
+              <a:t>07/02/2025</a:t>
             </a:fld>
             <a:endParaRPr lang="fr-FR"/>
           </a:p>
@@ -2114,7 +2114,7 @@
           <a:p>
             <a:fld id="{F7E8124F-CF76-499F-847F-FD3693E792C0}" type="datetimeFigureOut">
               <a:rPr lang="fr-FR" smtClean="0"/>
-              <a:t>11/01/2025</a:t>
+              <a:t>07/02/2025</a:t>
             </a:fld>
             <a:endParaRPr lang="fr-FR"/>
           </a:p>
@@ -2371,7 +2371,7 @@
           <a:p>
             <a:fld id="{F7E8124F-CF76-499F-847F-FD3693E792C0}" type="datetimeFigureOut">
               <a:rPr lang="fr-FR" smtClean="0"/>
-              <a:t>11/01/2025</a:t>
+              <a:t>07/02/2025</a:t>
             </a:fld>
             <a:endParaRPr lang="fr-FR"/>
           </a:p>
@@ -2584,7 +2584,7 @@
           <a:p>
             <a:fld id="{F7E8124F-CF76-499F-847F-FD3693E792C0}" type="datetimeFigureOut">
               <a:rPr lang="fr-FR" smtClean="0"/>
-              <a:t>11/01/2025</a:t>
+              <a:t>07/02/2025</a:t>
             </a:fld>
             <a:endParaRPr lang="fr-FR"/>
           </a:p>
@@ -17982,12 +17982,12 @@
           </a:fontRef>
         </p:style>
         <p:txBody>
-          <a:bodyPr rtlCol="0" anchor="ctr"/>
+          <a:bodyPr rtlCol="0" anchor="t"/>
           <a:lstStyle/>
           <a:p>
             <a:pPr marL="72000" algn="ctr"/>
             <a:endParaRPr lang="fr-FR" sz="1736" b="1" dirty="0">
-              <a:latin typeface="Arial" panose="020B0604020202020204" pitchFamily="34" charset="0"/>
+              <a:latin typeface="Comic Sans MS" panose="030F0702030302020204" pitchFamily="66" charset="0"/>
               <a:cs typeface="Arial" panose="020B0604020202020204" pitchFamily="34" charset="0"/>
             </a:endParaRPr>
           </a:p>
@@ -17995,6 +17995,7 @@
             <a:pPr marL="72000" algn="ctr"/>
             <a:r>
               <a:rPr lang="fr-FR" b="1" dirty="0">
+                <a:latin typeface="Comic Sans MS" panose="030F0702030302020204" pitchFamily="66" charset="0"/>
                 <a:cs typeface="Arial" panose="020B0604020202020204" pitchFamily="34" charset="0"/>
               </a:rPr>
               <a:t>Entaille des pièces</a:t>
@@ -18006,6 +18007,7 @@
               <a:buChar char="•"/>
             </a:pPr>
             <a:endParaRPr lang="fr-FR" sz="1600" dirty="0">
+              <a:latin typeface="Comic Sans MS" panose="030F0702030302020204" pitchFamily="66" charset="0"/>
               <a:cs typeface="Arial" panose="020B0604020202020204" pitchFamily="34" charset="0"/>
             </a:endParaRPr>
           </a:p>
@@ -18013,6 +18015,7 @@
             <a:pPr marL="72000"/>
             <a:r>
               <a:rPr lang="fr-FR" sz="1600" dirty="0">
+                <a:latin typeface="Comic Sans MS" panose="030F0702030302020204" pitchFamily="66" charset="0"/>
                 <a:cs typeface="Arial" panose="020B0604020202020204" pitchFamily="34" charset="0"/>
               </a:rPr>
               <a:t>Sélectionnez l’outil « ligne » et parcourez le cube précédemment réalisé, vous remarquerez qu’un couleur de pointage apparait :</a:t>
@@ -18025,6 +18028,7 @@
             </a:pPr>
             <a:r>
               <a:rPr lang="fr-FR" sz="1600" dirty="0">
+                <a:latin typeface="Comic Sans MS" panose="030F0702030302020204" pitchFamily="66" charset="0"/>
                 <a:cs typeface="Arial" panose="020B0604020202020204" pitchFamily="34" charset="0"/>
               </a:rPr>
               <a:t>Le rouge vous indique que vous êtes sur une arrête</a:t>
@@ -18037,6 +18041,7 @@
             </a:pPr>
             <a:r>
               <a:rPr lang="fr-FR" sz="1600" dirty="0">
+                <a:latin typeface="Comic Sans MS" panose="030F0702030302020204" pitchFamily="66" charset="0"/>
                 <a:cs typeface="Arial" panose="020B0604020202020204" pitchFamily="34" charset="0"/>
               </a:rPr>
               <a:t>Le bleu ciel ou cyan vous indique que vous êtes sur le milieu d’une arrête</a:t>
@@ -18049,6 +18054,7 @@
             </a:pPr>
             <a:r>
               <a:rPr lang="fr-FR" sz="1600" dirty="0">
+                <a:latin typeface="Comic Sans MS" panose="030F0702030302020204" pitchFamily="66" charset="0"/>
                 <a:cs typeface="Arial" panose="020B0604020202020204" pitchFamily="34" charset="0"/>
               </a:rPr>
               <a:t>Le vert vous indique que vous êtes sur une extrémité</a:t>
@@ -18057,6 +18063,7 @@
           <a:p>
             <a:pPr marL="72000" lvl="1" algn="ctr"/>
             <a:endParaRPr lang="fr-FR" sz="1600" b="1" dirty="0">
+              <a:latin typeface="Comic Sans MS" panose="030F0702030302020204" pitchFamily="66" charset="0"/>
               <a:cs typeface="Arial" panose="020B0604020202020204" pitchFamily="34" charset="0"/>
             </a:endParaRPr>
           </a:p>
@@ -18064,6 +18071,7 @@
             <a:pPr marL="72000"/>
             <a:r>
               <a:rPr lang="fr-FR" sz="1600" dirty="0">
+                <a:latin typeface="Comic Sans MS" panose="030F0702030302020204" pitchFamily="66" charset="0"/>
                 <a:cs typeface="Arial" panose="020B0604020202020204" pitchFamily="34" charset="0"/>
               </a:rPr>
               <a:t>Tracez les parties à entailler avec l’outil « ligne », en utilisant les couleurs de pointage et les couleurs de lignes (en vue de face) :</a:t>
@@ -18076,6 +18084,7 @@
             </a:pPr>
             <a:r>
               <a:rPr lang="fr-FR" sz="1600" dirty="0">
+                <a:latin typeface="Comic Sans MS" panose="030F0702030302020204" pitchFamily="66" charset="0"/>
                 <a:cs typeface="Arial" panose="020B0604020202020204" pitchFamily="34" charset="0"/>
               </a:rPr>
               <a:t>Le bleu vers le haut </a:t>
@@ -18088,6 +18097,7 @@
             </a:pPr>
             <a:r>
               <a:rPr lang="fr-FR" sz="1600" dirty="0">
+                <a:latin typeface="Comic Sans MS" panose="030F0702030302020204" pitchFamily="66" charset="0"/>
                 <a:cs typeface="Arial" panose="020B0604020202020204" pitchFamily="34" charset="0"/>
               </a:rPr>
               <a:t>Le rouge pour l’axe horizontal </a:t>
@@ -18100,6 +18110,7 @@
             </a:pPr>
             <a:r>
               <a:rPr lang="fr-FR" sz="1600" dirty="0">
+                <a:latin typeface="Comic Sans MS" panose="030F0702030302020204" pitchFamily="66" charset="0"/>
                 <a:cs typeface="Arial" panose="020B0604020202020204" pitchFamily="34" charset="0"/>
               </a:rPr>
               <a:t>Le vert pour la profondeur</a:t>
@@ -18108,6 +18119,7 @@
           <a:p>
             <a:pPr marL="72000" lvl="1"/>
             <a:endParaRPr lang="fr-FR" sz="1600" dirty="0">
+              <a:latin typeface="Comic Sans MS" panose="030F0702030302020204" pitchFamily="66" charset="0"/>
               <a:cs typeface="Arial" panose="020B0604020202020204" pitchFamily="34" charset="0"/>
             </a:endParaRPr>
           </a:p>
@@ -18115,6 +18127,7 @@
             <a:pPr marL="72000"/>
             <a:r>
               <a:rPr lang="fr-FR" sz="1600" dirty="0">
+                <a:latin typeface="Comic Sans MS" panose="030F0702030302020204" pitchFamily="66" charset="0"/>
                 <a:cs typeface="Arial" panose="020B0604020202020204" pitchFamily="34" charset="0"/>
               </a:rPr>
               <a:t>Utilisez l’outil « pousser/tirer » pour abaisser la partie de la pièce à supprimer. Ce qui réalisera une entaille.</a:t>
@@ -18123,6 +18136,7 @@
           <a:p>
             <a:pPr marL="72000"/>
             <a:endParaRPr lang="fr-FR" sz="1600" dirty="0">
+              <a:latin typeface="Comic Sans MS" panose="030F0702030302020204" pitchFamily="66" charset="0"/>
               <a:cs typeface="Arial" panose="020B0604020202020204" pitchFamily="34" charset="0"/>
             </a:endParaRPr>
           </a:p>
@@ -18130,6 +18144,7 @@
             <a:pPr marL="72000" algn="ctr"/>
             <a:r>
               <a:rPr lang="fr-FR" b="1" dirty="0">
+                <a:latin typeface="Comic Sans MS" panose="030F0702030302020204" pitchFamily="66" charset="0"/>
                 <a:cs typeface="Arial" panose="020B0604020202020204" pitchFamily="34" charset="0"/>
               </a:rPr>
               <a:t>Convertir les surface en éléments</a:t>
@@ -18138,6 +18153,7 @@
           <a:p>
             <a:pPr marL="72000" algn="ctr"/>
             <a:endParaRPr lang="fr-FR" b="1" dirty="0">
+              <a:latin typeface="Comic Sans MS" panose="030F0702030302020204" pitchFamily="66" charset="0"/>
               <a:cs typeface="Arial" panose="020B0604020202020204" pitchFamily="34" charset="0"/>
             </a:endParaRPr>
           </a:p>
@@ -18145,6 +18161,7 @@
             <a:pPr marL="72000"/>
             <a:r>
               <a:rPr lang="fr-FR" sz="1600" dirty="0">
+                <a:latin typeface="Comic Sans MS" panose="030F0702030302020204" pitchFamily="66" charset="0"/>
                 <a:cs typeface="Arial" panose="020B0604020202020204" pitchFamily="34" charset="0"/>
               </a:rPr>
               <a:t>Pour convertir plusieurs surfaces en un seul élément, sélectionnez l'ensemble de la pièce que vous souhaitez convertir, puis cliquez sur l'icône située à droite du sélecteur. Pour finaliser, validez en cliquant sur "Créer" dans le menu qui s'affiche.</a:t>
@@ -18153,18 +18170,21 @@
           <a:p>
             <a:pPr marL="72000"/>
             <a:endParaRPr lang="fr-FR" sz="1600" dirty="0">
+              <a:latin typeface="Comic Sans MS" panose="030F0702030302020204" pitchFamily="66" charset="0"/>
               <a:cs typeface="Arial" panose="020B0604020202020204" pitchFamily="34" charset="0"/>
             </a:endParaRPr>
           </a:p>
           <a:p>
             <a:pPr marL="72000"/>
             <a:endParaRPr lang="fr-FR" sz="1600" dirty="0">
+              <a:latin typeface="Comic Sans MS" panose="030F0702030302020204" pitchFamily="66" charset="0"/>
               <a:cs typeface="Arial" panose="020B0604020202020204" pitchFamily="34" charset="0"/>
             </a:endParaRPr>
           </a:p>
           <a:p>
             <a:pPr marL="72000"/>
             <a:endParaRPr lang="fr-FR" sz="1600" dirty="0">
+              <a:latin typeface="Comic Sans MS" panose="030F0702030302020204" pitchFamily="66" charset="0"/>
               <a:cs typeface="Arial" panose="020B0604020202020204" pitchFamily="34" charset="0"/>
             </a:endParaRPr>
           </a:p>
@@ -18784,8 +18804,38 @@
         </p:blipFill>
         <p:spPr>
           <a:xfrm>
-            <a:off x="4691959" y="8307041"/>
+            <a:off x="5704700" y="7323739"/>
             <a:ext cx="1370173" cy="1966601"/>
+          </a:xfrm>
+          <a:prstGeom prst="rect">
+            <a:avLst/>
+          </a:prstGeom>
+        </p:spPr>
+      </p:pic>
+      <p:pic>
+        <p:nvPicPr>
+          <p:cNvPr id="3" name="Picture 2">
+            <a:extLst>
+              <a:ext uri="{FF2B5EF4-FFF2-40B4-BE49-F238E27FC236}">
+                <a16:creationId xmlns:a16="http://schemas.microsoft.com/office/drawing/2014/main" id="{3AAEB3C4-7BD2-473F-B649-DAF7A4948FC1}"/>
+              </a:ext>
+            </a:extLst>
+          </p:cNvPr>
+          <p:cNvPicPr>
+            <a:picLocks noChangeAspect="1"/>
+          </p:cNvPicPr>
+          <p:nvPr/>
+        </p:nvPicPr>
+        <p:blipFill>
+          <a:blip r:embed="rId7"/>
+          <a:stretch>
+            <a:fillRect/>
+          </a:stretch>
+        </p:blipFill>
+        <p:spPr>
+          <a:xfrm>
+            <a:off x="8044479" y="6435076"/>
+            <a:ext cx="2639184" cy="3744483"/>
           </a:xfrm>
           <a:prstGeom prst="rect">
             <a:avLst/>
@@ -20144,7 +20194,7 @@
               <a:rPr lang="fr-FR" dirty="0">
                 <a:cs typeface="Arial" panose="020B0604020202020204" pitchFamily="34" charset="0"/>
               </a:rPr>
-              <a:t>Classe : 	………………………</a:t>
+              <a:t>Classe : 		………………………</a:t>
             </a:r>
           </a:p>
           <a:p>
